--- a/ASC dashboard.pptx
+++ b/ASC dashboard.pptx
@@ -7,11 +7,14 @@
   <p:sldIdLst>
     <p:sldId id="256" r:id="rId2"/>
     <p:sldId id="260" r:id="rId3"/>
-    <p:sldId id="261" r:id="rId4"/>
-    <p:sldId id="262" r:id="rId5"/>
-    <p:sldId id="257" r:id="rId6"/>
-    <p:sldId id="258" r:id="rId7"/>
-    <p:sldId id="259" r:id="rId8"/>
+    <p:sldId id="263" r:id="rId4"/>
+    <p:sldId id="261" r:id="rId5"/>
+    <p:sldId id="265" r:id="rId6"/>
+    <p:sldId id="264" r:id="rId7"/>
+    <p:sldId id="262" r:id="rId8"/>
+    <p:sldId id="257" r:id="rId9"/>
+    <p:sldId id="258" r:id="rId10"/>
+    <p:sldId id="259" r:id="rId11"/>
   </p:sldIdLst>
   <p:sldSz cx="12192000" cy="6858000"/>
   <p:notesSz cx="6858000" cy="9144000"/>
@@ -121,102 +124,12 @@
 <file path=ppt/revisionInfo.xml><?xml version="1.0" encoding="utf-8"?>
 <p1510:revInfo xmlns:a="http://schemas.openxmlformats.org/drawingml/2006/main" xmlns:r="http://schemas.openxmlformats.org/officeDocument/2006/relationships" xmlns:p1510="http://schemas.microsoft.com/office/powerpoint/2015/10/main">
   <p1510:revLst>
+    <p1510:client id="{2A8A9E21-9AA2-437F-801A-4F7554E835F6}" v="387" dt="2023-03-31T04:41:11.775"/>
+    <p1510:client id="{452B7CCB-3E9D-0E3B-330A-580CF34CD429}" v="62" dt="2023-04-01T02:21:26.170"/>
     <p1510:client id="{4D285A2E-9E82-1E8E-603D-B81760669F59}" v="2" dt="2023-03-21T07:28:33.216"/>
     <p1510:client id="{ECCD2A97-71DC-DEB0-5AAE-69621BE8C546}" v="124" dt="2023-03-21T03:17:42.034"/>
   </p1510:revLst>
 </p1510:revInfo>
-</file>
-
-<file path=ppt/changesInfos/changesInfo1.xml><?xml version="1.0" encoding="utf-8"?>
-<pc:chgInfo xmlns:a="http://schemas.openxmlformats.org/drawingml/2006/main" xmlns:r="http://schemas.openxmlformats.org/officeDocument/2006/relationships" xmlns:ac="http://schemas.microsoft.com/office/drawing/2013/main/command" xmlns:pc="http://schemas.microsoft.com/office/powerpoint/2013/main/command">
-  <pc:docChgLst>
-    <pc:chgData name="Wei Lin Tan" userId="S::tan_wei_lin@hometeamsnt.onmicrosoft.com::6db34aec-b83c-4300-9ad7-551b3d76193f" providerId="AD" clId="Web-{ECCD2A97-71DC-DEB0-5AAE-69621BE8C546}"/>
-    <pc:docChg chg="modSld">
-      <pc:chgData name="Wei Lin Tan" userId="S::tan_wei_lin@hometeamsnt.onmicrosoft.com::6db34aec-b83c-4300-9ad7-551b3d76193f" providerId="AD" clId="Web-{ECCD2A97-71DC-DEB0-5AAE-69621BE8C546}" dt="2023-03-21T03:17:42.034" v="78" actId="14100"/>
-      <pc:docMkLst>
-        <pc:docMk/>
-      </pc:docMkLst>
-      <pc:sldChg chg="modSp">
-        <pc:chgData name="Wei Lin Tan" userId="S::tan_wei_lin@hometeamsnt.onmicrosoft.com::6db34aec-b83c-4300-9ad7-551b3d76193f" providerId="AD" clId="Web-{ECCD2A97-71DC-DEB0-5AAE-69621BE8C546}" dt="2023-03-21T03:17:42.034" v="78" actId="14100"/>
-        <pc:sldMkLst>
-          <pc:docMk/>
-          <pc:sldMk cId="2158782781" sldId="260"/>
-        </pc:sldMkLst>
-        <pc:spChg chg="mod">
-          <ac:chgData name="Wei Lin Tan" userId="S::tan_wei_lin@hometeamsnt.onmicrosoft.com::6db34aec-b83c-4300-9ad7-551b3d76193f" providerId="AD" clId="Web-{ECCD2A97-71DC-DEB0-5AAE-69621BE8C546}" dt="2023-03-21T03:17:42.034" v="78" actId="14100"/>
-          <ac:spMkLst>
-            <pc:docMk/>
-            <pc:sldMk cId="2158782781" sldId="260"/>
-            <ac:spMk id="3" creationId="{F2661CB9-E3A7-D7E5-E81D-1A53178B68F8}"/>
-          </ac:spMkLst>
-        </pc:spChg>
-      </pc:sldChg>
-      <pc:sldChg chg="addSp modSp">
-        <pc:chgData name="Wei Lin Tan" userId="S::tan_wei_lin@hometeamsnt.onmicrosoft.com::6db34aec-b83c-4300-9ad7-551b3d76193f" providerId="AD" clId="Web-{ECCD2A97-71DC-DEB0-5AAE-69621BE8C546}" dt="2023-03-21T03:17:11.533" v="72" actId="14100"/>
-        <pc:sldMkLst>
-          <pc:docMk/>
-          <pc:sldMk cId="1000441774" sldId="261"/>
-        </pc:sldMkLst>
-        <pc:spChg chg="mod">
-          <ac:chgData name="Wei Lin Tan" userId="S::tan_wei_lin@hometeamsnt.onmicrosoft.com::6db34aec-b83c-4300-9ad7-551b3d76193f" providerId="AD" clId="Web-{ECCD2A97-71DC-DEB0-5AAE-69621BE8C546}" dt="2023-03-21T03:17:09.080" v="71" actId="20577"/>
-          <ac:spMkLst>
-            <pc:docMk/>
-            <pc:sldMk cId="1000441774" sldId="261"/>
-            <ac:spMk id="3" creationId="{C7B60183-18AF-F797-26C6-7D04774AA39B}"/>
-          </ac:spMkLst>
-        </pc:spChg>
-        <pc:spChg chg="add mod">
-          <ac:chgData name="Wei Lin Tan" userId="S::tan_wei_lin@hometeamsnt.onmicrosoft.com::6db34aec-b83c-4300-9ad7-551b3d76193f" providerId="AD" clId="Web-{ECCD2A97-71DC-DEB0-5AAE-69621BE8C546}" dt="2023-03-21T03:16:52.080" v="68" actId="1076"/>
-          <ac:spMkLst>
-            <pc:docMk/>
-            <pc:sldMk cId="1000441774" sldId="261"/>
-            <ac:spMk id="4" creationId="{DD8F39FF-6BC1-F1A0-6F0B-6B5308CA70AD}"/>
-          </ac:spMkLst>
-        </pc:spChg>
-        <pc:cxnChg chg="add mod">
-          <ac:chgData name="Wei Lin Tan" userId="S::tan_wei_lin@hometeamsnt.onmicrosoft.com::6db34aec-b83c-4300-9ad7-551b3d76193f" providerId="AD" clId="Web-{ECCD2A97-71DC-DEB0-5AAE-69621BE8C546}" dt="2023-03-21T03:17:11.533" v="72" actId="14100"/>
-          <ac:cxnSpMkLst>
-            <pc:docMk/>
-            <pc:sldMk cId="1000441774" sldId="261"/>
-            <ac:cxnSpMk id="5" creationId="{D139995D-19B9-3AE2-9929-3479D20403D3}"/>
-          </ac:cxnSpMkLst>
-        </pc:cxnChg>
-      </pc:sldChg>
-    </pc:docChg>
-  </pc:docChgLst>
-  <pc:docChgLst>
-    <pc:chgData name="Wei Lin Tan" userId="S::tan_wei_lin@hometeamsnt.onmicrosoft.com::6db34aec-b83c-4300-9ad7-551b3d76193f" providerId="AD" clId="Web-{4D285A2E-9E82-1E8E-603D-B81760669F59}"/>
-    <pc:docChg chg="modSld">
-      <pc:chgData name="Wei Lin Tan" userId="S::tan_wei_lin@hometeamsnt.onmicrosoft.com::6db34aec-b83c-4300-9ad7-551b3d76193f" providerId="AD" clId="Web-{4D285A2E-9E82-1E8E-603D-B81760669F59}" dt="2023-03-21T07:28:33.216" v="1"/>
-      <pc:docMkLst>
-        <pc:docMk/>
-      </pc:docMkLst>
-      <pc:sldChg chg="delSp">
-        <pc:chgData name="Wei Lin Tan" userId="S::tan_wei_lin@hometeamsnt.onmicrosoft.com::6db34aec-b83c-4300-9ad7-551b3d76193f" providerId="AD" clId="Web-{4D285A2E-9E82-1E8E-603D-B81760669F59}" dt="2023-03-21T07:28:33.216" v="1"/>
-        <pc:sldMkLst>
-          <pc:docMk/>
-          <pc:sldMk cId="1000441774" sldId="261"/>
-        </pc:sldMkLst>
-        <pc:spChg chg="del">
-          <ac:chgData name="Wei Lin Tan" userId="S::tan_wei_lin@hometeamsnt.onmicrosoft.com::6db34aec-b83c-4300-9ad7-551b3d76193f" providerId="AD" clId="Web-{4D285A2E-9E82-1E8E-603D-B81760669F59}" dt="2023-03-21T07:28:30.200" v="0"/>
-          <ac:spMkLst>
-            <pc:docMk/>
-            <pc:sldMk cId="1000441774" sldId="261"/>
-            <ac:spMk id="4" creationId="{DD8F39FF-6BC1-F1A0-6F0B-6B5308CA70AD}"/>
-          </ac:spMkLst>
-        </pc:spChg>
-        <pc:cxnChg chg="del">
-          <ac:chgData name="Wei Lin Tan" userId="S::tan_wei_lin@hometeamsnt.onmicrosoft.com::6db34aec-b83c-4300-9ad7-551b3d76193f" providerId="AD" clId="Web-{4D285A2E-9E82-1E8E-603D-B81760669F59}" dt="2023-03-21T07:28:33.216" v="1"/>
-          <ac:cxnSpMkLst>
-            <pc:docMk/>
-            <pc:sldMk cId="1000441774" sldId="261"/>
-            <ac:cxnSpMk id="5" creationId="{D139995D-19B9-3AE2-9929-3479D20403D3}"/>
-          </ac:cxnSpMkLst>
-        </pc:cxnChg>
-      </pc:sldChg>
-    </pc:docChg>
-  </pc:docChgLst>
-</pc:chgInfo>
 </file>
 
 <file path=ppt/slideLayouts/slideLayout1.xml><?xml version="1.0" encoding="utf-8"?>
@@ -368,7 +281,7 @@
           <a:p>
             <a:fld id="{66F80C94-6EA7-470B-9A7B-775FE34845C1}" type="datetimeFigureOut">
               <a:rPr lang="en-SG" smtClean="0"/>
-              <a:t>21/3/2023</a:t>
+              <a:t>1/4/2023</a:t>
             </a:fld>
             <a:endParaRPr lang="en-SG"/>
           </a:p>
@@ -568,7 +481,7 @@
           <a:p>
             <a:fld id="{66F80C94-6EA7-470B-9A7B-775FE34845C1}" type="datetimeFigureOut">
               <a:rPr lang="en-SG" smtClean="0"/>
-              <a:t>21/3/2023</a:t>
+              <a:t>1/4/2023</a:t>
             </a:fld>
             <a:endParaRPr lang="en-SG"/>
           </a:p>
@@ -778,7 +691,7 @@
           <a:p>
             <a:fld id="{66F80C94-6EA7-470B-9A7B-775FE34845C1}" type="datetimeFigureOut">
               <a:rPr lang="en-SG" smtClean="0"/>
-              <a:t>21/3/2023</a:t>
+              <a:t>1/4/2023</a:t>
             </a:fld>
             <a:endParaRPr lang="en-SG"/>
           </a:p>
@@ -978,7 +891,7 @@
           <a:p>
             <a:fld id="{66F80C94-6EA7-470B-9A7B-775FE34845C1}" type="datetimeFigureOut">
               <a:rPr lang="en-SG" smtClean="0"/>
-              <a:t>21/3/2023</a:t>
+              <a:t>1/4/2023</a:t>
             </a:fld>
             <a:endParaRPr lang="en-SG"/>
           </a:p>
@@ -1254,7 +1167,7 @@
           <a:p>
             <a:fld id="{66F80C94-6EA7-470B-9A7B-775FE34845C1}" type="datetimeFigureOut">
               <a:rPr lang="en-SG" smtClean="0"/>
-              <a:t>21/3/2023</a:t>
+              <a:t>1/4/2023</a:t>
             </a:fld>
             <a:endParaRPr lang="en-SG"/>
           </a:p>
@@ -1522,7 +1435,7 @@
           <a:p>
             <a:fld id="{66F80C94-6EA7-470B-9A7B-775FE34845C1}" type="datetimeFigureOut">
               <a:rPr lang="en-SG" smtClean="0"/>
-              <a:t>21/3/2023</a:t>
+              <a:t>1/4/2023</a:t>
             </a:fld>
             <a:endParaRPr lang="en-SG"/>
           </a:p>
@@ -1937,7 +1850,7 @@
           <a:p>
             <a:fld id="{66F80C94-6EA7-470B-9A7B-775FE34845C1}" type="datetimeFigureOut">
               <a:rPr lang="en-SG" smtClean="0"/>
-              <a:t>21/3/2023</a:t>
+              <a:t>1/4/2023</a:t>
             </a:fld>
             <a:endParaRPr lang="en-SG"/>
           </a:p>
@@ -2079,7 +1992,7 @@
           <a:p>
             <a:fld id="{66F80C94-6EA7-470B-9A7B-775FE34845C1}" type="datetimeFigureOut">
               <a:rPr lang="en-SG" smtClean="0"/>
-              <a:t>21/3/2023</a:t>
+              <a:t>1/4/2023</a:t>
             </a:fld>
             <a:endParaRPr lang="en-SG"/>
           </a:p>
@@ -2192,7 +2105,7 @@
           <a:p>
             <a:fld id="{66F80C94-6EA7-470B-9A7B-775FE34845C1}" type="datetimeFigureOut">
               <a:rPr lang="en-SG" smtClean="0"/>
-              <a:t>21/3/2023</a:t>
+              <a:t>1/4/2023</a:t>
             </a:fld>
             <a:endParaRPr lang="en-SG"/>
           </a:p>
@@ -2505,7 +2418,7 @@
           <a:p>
             <a:fld id="{66F80C94-6EA7-470B-9A7B-775FE34845C1}" type="datetimeFigureOut">
               <a:rPr lang="en-SG" smtClean="0"/>
-              <a:t>21/3/2023</a:t>
+              <a:t>1/4/2023</a:t>
             </a:fld>
             <a:endParaRPr lang="en-SG"/>
           </a:p>
@@ -2794,7 +2707,7 @@
           <a:p>
             <a:fld id="{66F80C94-6EA7-470B-9A7B-775FE34845C1}" type="datetimeFigureOut">
               <a:rPr lang="en-SG" smtClean="0"/>
-              <a:t>21/3/2023</a:t>
+              <a:t>1/4/2023</a:t>
             </a:fld>
             <a:endParaRPr lang="en-SG"/>
           </a:p>
@@ -3037,7 +2950,7 @@
           <a:p>
             <a:fld id="{66F80C94-6EA7-470B-9A7B-775FE34845C1}" type="datetimeFigureOut">
               <a:rPr lang="en-SG" smtClean="0"/>
-              <a:t>21/3/2023</a:t>
+              <a:t>1/4/2023</a:t>
             </a:fld>
             <a:endParaRPr lang="en-SG"/>
           </a:p>
@@ -3517,6 +3430,156 @@
 </p:sld>
 </file>
 
+<file path=ppt/slides/slide10.xml><?xml version="1.0" encoding="utf-8"?>
+<p:sld xmlns:a="http://schemas.openxmlformats.org/drawingml/2006/main" xmlns:r="http://schemas.openxmlformats.org/officeDocument/2006/relationships" xmlns:p="http://schemas.openxmlformats.org/presentationml/2006/main" show="0">
+  <p:cSld>
+    <p:spTree>
+      <p:nvGrpSpPr>
+        <p:cNvPr id="1" name=""/>
+        <p:cNvGrpSpPr/>
+        <p:nvPr/>
+      </p:nvGrpSpPr>
+      <p:grpSpPr>
+        <a:xfrm>
+          <a:off x="0" y="0"/>
+          <a:ext cx="0" cy="0"/>
+          <a:chOff x="0" y="0"/>
+          <a:chExt cx="0" cy="0"/>
+        </a:xfrm>
+      </p:grpSpPr>
+      <p:sp>
+        <p:nvSpPr>
+          <p:cNvPr id="2" name="Title 1">
+            <a:extLst>
+              <a:ext uri="{FF2B5EF4-FFF2-40B4-BE49-F238E27FC236}">
+                <a16:creationId xmlns:a16="http://schemas.microsoft.com/office/drawing/2014/main" id="{07706504-F838-105D-3557-62899A8180DA}"/>
+              </a:ext>
+            </a:extLst>
+          </p:cNvPr>
+          <p:cNvSpPr>
+            <a:spLocks noGrp="1"/>
+          </p:cNvSpPr>
+          <p:nvPr>
+            <p:ph type="title"/>
+          </p:nvPr>
+        </p:nvSpPr>
+        <p:spPr/>
+        <p:txBody>
+          <a:bodyPr/>
+          <a:lstStyle/>
+          <a:p>
+            <a:endParaRPr lang="en-SG"/>
+          </a:p>
+        </p:txBody>
+      </p:sp>
+      <p:sp>
+        <p:nvSpPr>
+          <p:cNvPr id="3" name="Content Placeholder 2">
+            <a:extLst>
+              <a:ext uri="{FF2B5EF4-FFF2-40B4-BE49-F238E27FC236}">
+                <a16:creationId xmlns:a16="http://schemas.microsoft.com/office/drawing/2014/main" id="{19AF29E2-6478-BBDD-3ADA-F5067C9745BA}"/>
+              </a:ext>
+            </a:extLst>
+          </p:cNvPr>
+          <p:cNvSpPr>
+            <a:spLocks noGrp="1"/>
+          </p:cNvSpPr>
+          <p:nvPr>
+            <p:ph idx="1"/>
+          </p:nvPr>
+        </p:nvSpPr>
+        <p:spPr/>
+        <p:txBody>
+          <a:bodyPr/>
+          <a:lstStyle/>
+          <a:p>
+            <a:endParaRPr lang="en-SG"/>
+          </a:p>
+        </p:txBody>
+      </p:sp>
+      <p:pic>
+        <p:nvPicPr>
+          <p:cNvPr id="5" name="Picture 4">
+            <a:extLst>
+              <a:ext uri="{FF2B5EF4-FFF2-40B4-BE49-F238E27FC236}">
+                <a16:creationId xmlns:a16="http://schemas.microsoft.com/office/drawing/2014/main" id="{63153043-2D11-98C7-30D2-148BD43E08B9}"/>
+              </a:ext>
+            </a:extLst>
+          </p:cNvPr>
+          <p:cNvPicPr>
+            <a:picLocks noChangeAspect="1"/>
+          </p:cNvPicPr>
+          <p:nvPr/>
+        </p:nvPicPr>
+        <p:blipFill>
+          <a:blip r:embed="rId2"/>
+          <a:stretch>
+            <a:fillRect/>
+          </a:stretch>
+        </p:blipFill>
+        <p:spPr>
+          <a:xfrm>
+            <a:off x="730250" y="0"/>
+            <a:ext cx="10731500" cy="6858000"/>
+          </a:xfrm>
+          <a:prstGeom prst="rect">
+            <a:avLst/>
+          </a:prstGeom>
+        </p:spPr>
+      </p:pic>
+      <p:sp>
+        <p:nvSpPr>
+          <p:cNvPr id="7" name="TextBox 6">
+            <a:extLst>
+              <a:ext uri="{FF2B5EF4-FFF2-40B4-BE49-F238E27FC236}">
+                <a16:creationId xmlns:a16="http://schemas.microsoft.com/office/drawing/2014/main" id="{4DC9B5CC-D4E1-808C-6FA1-EBCA11211D6B}"/>
+              </a:ext>
+            </a:extLst>
+          </p:cNvPr>
+          <p:cNvSpPr txBox="1"/>
+          <p:nvPr/>
+        </p:nvSpPr>
+        <p:spPr>
+          <a:xfrm>
+            <a:off x="4849585" y="365125"/>
+            <a:ext cx="4900905" cy="430887"/>
+          </a:xfrm>
+          <a:prstGeom prst="rect">
+            <a:avLst/>
+          </a:prstGeom>
+          <a:solidFill>
+            <a:schemeClr val="accent4">
+              <a:lumMod val="20000"/>
+              <a:lumOff val="80000"/>
+            </a:schemeClr>
+          </a:solidFill>
+        </p:spPr>
+        <p:txBody>
+          <a:bodyPr wrap="square">
+            <a:spAutoFit/>
+          </a:bodyPr>
+          <a:lstStyle/>
+          <a:p>
+            <a:r>
+              <a:rPr lang="en-SG" sz="1100" dirty="0"/>
+              <a:t>https://api-safeguard.beta.gov.sg/screenshot?api_key=ec16e2d0-1938-49d0-bb0f-a480bc2e8ceb&amp;url_md5=4e332d51fa0c8b94a6b7a9160e10283f</a:t>
+            </a:r>
+          </a:p>
+        </p:txBody>
+      </p:sp>
+    </p:spTree>
+    <p:extLst>
+      <p:ext uri="{BB962C8B-B14F-4D97-AF65-F5344CB8AC3E}">
+        <p14:creationId xmlns:p14="http://schemas.microsoft.com/office/powerpoint/2010/main" val="63893492"/>
+      </p:ext>
+    </p:extLst>
+  </p:cSld>
+  <p:clrMapOvr>
+    <a:masterClrMapping/>
+  </p:clrMapOvr>
+</p:sld>
+</file>
+
 <file path=ppt/slides/slide2.xml><?xml version="1.0" encoding="utf-8"?>
 <p:sld xmlns:a="http://schemas.openxmlformats.org/drawingml/2006/main" xmlns:r="http://schemas.openxmlformats.org/officeDocument/2006/relationships" xmlns:p="http://schemas.openxmlformats.org/presentationml/2006/main">
   <p:cSld>
@@ -3690,114 +3753,223 @@
           <a:chExt cx="0" cy="0"/>
         </a:xfrm>
       </p:grpSpPr>
-      <p:sp>
-        <p:nvSpPr>
-          <p:cNvPr id="2" name="Title 1">
-            <a:extLst>
-              <a:ext uri="{FF2B5EF4-FFF2-40B4-BE49-F238E27FC236}">
-                <a16:creationId xmlns:a16="http://schemas.microsoft.com/office/drawing/2014/main" id="{87C1134E-558F-E8BC-CE02-E2B8A166D3EF}"/>
-              </a:ext>
-            </a:extLst>
-          </p:cNvPr>
-          <p:cNvSpPr>
-            <a:spLocks noGrp="1"/>
-          </p:cNvSpPr>
-          <p:nvPr>
-            <p:ph type="title"/>
-          </p:nvPr>
-        </p:nvSpPr>
-        <p:spPr/>
-        <p:txBody>
-          <a:bodyPr/>
-          <a:lstStyle/>
-          <a:p>
-            <a:r>
-              <a:rPr lang="en-SG" dirty="0" err="1"/>
-              <a:t>Mysql</a:t>
-            </a:r>
-            <a:r>
-              <a:rPr lang="en-SG" dirty="0"/>
-              <a:t> database login</a:t>
-            </a:r>
-          </a:p>
-        </p:txBody>
-      </p:sp>
-      <p:sp>
-        <p:nvSpPr>
-          <p:cNvPr id="3" name="Content Placeholder 2">
-            <a:extLst>
-              <a:ext uri="{FF2B5EF4-FFF2-40B4-BE49-F238E27FC236}">
-                <a16:creationId xmlns:a16="http://schemas.microsoft.com/office/drawing/2014/main" id="{C7B60183-18AF-F797-26C6-7D04774AA39B}"/>
-              </a:ext>
-            </a:extLst>
-          </p:cNvPr>
-          <p:cNvSpPr>
-            <a:spLocks noGrp="1"/>
-          </p:cNvSpPr>
-          <p:nvPr>
-            <p:ph idx="1"/>
-          </p:nvPr>
-        </p:nvSpPr>
-        <p:spPr/>
-        <p:txBody>
-          <a:bodyPr vert="horz" lIns="91440" tIns="45720" rIns="91440" bIns="45720" rtlCol="0" anchor="t">
-            <a:normAutofit/>
+      <p:pic>
+        <p:nvPicPr>
+          <p:cNvPr id="4" name="Picture 4" descr="Graphical user interface&#10;&#10;Description automatically generated">
+            <a:extLst>
+              <a:ext uri="{FF2B5EF4-FFF2-40B4-BE49-F238E27FC236}">
+                <a16:creationId xmlns:a16="http://schemas.microsoft.com/office/drawing/2014/main" id="{05934E33-45CC-2A7D-1DD2-64E9BB3F3522}"/>
+              </a:ext>
+            </a:extLst>
+          </p:cNvPr>
+          <p:cNvPicPr>
+            <a:picLocks noChangeAspect="1"/>
+          </p:cNvPicPr>
+          <p:nvPr/>
+        </p:nvPicPr>
+        <p:blipFill>
+          <a:blip r:embed="rId2"/>
+          <a:stretch>
+            <a:fillRect/>
+          </a:stretch>
+        </p:blipFill>
+        <p:spPr>
+          <a:xfrm>
+            <a:off x="120203" y="133493"/>
+            <a:ext cx="5576551" cy="3156647"/>
+          </a:xfrm>
+          <a:prstGeom prst="rect">
+            <a:avLst/>
+          </a:prstGeom>
+        </p:spPr>
+      </p:pic>
+      <p:pic>
+        <p:nvPicPr>
+          <p:cNvPr id="5" name="Picture 5" descr="Graphical user interface, application&#10;&#10;Description automatically generated">
+            <a:extLst>
+              <a:ext uri="{FF2B5EF4-FFF2-40B4-BE49-F238E27FC236}">
+                <a16:creationId xmlns:a16="http://schemas.microsoft.com/office/drawing/2014/main" id="{0D331E05-7D76-AB00-43C7-94DC8E20D73D}"/>
+              </a:ext>
+            </a:extLst>
+          </p:cNvPr>
+          <p:cNvPicPr>
+            <a:picLocks noChangeAspect="1"/>
+          </p:cNvPicPr>
+          <p:nvPr/>
+        </p:nvPicPr>
+        <p:blipFill>
+          <a:blip r:embed="rId3"/>
+          <a:stretch>
+            <a:fillRect/>
+          </a:stretch>
+        </p:blipFill>
+        <p:spPr>
+          <a:xfrm>
+            <a:off x="6141077" y="137036"/>
+            <a:ext cx="5748270" cy="3213957"/>
+          </a:xfrm>
+          <a:prstGeom prst="rect">
+            <a:avLst/>
+          </a:prstGeom>
+        </p:spPr>
+      </p:pic>
+      <p:pic>
+        <p:nvPicPr>
+          <p:cNvPr id="6" name="Picture 6" descr="Graphical user interface, application&#10;&#10;Description automatically generated">
+            <a:extLst>
+              <a:ext uri="{FF2B5EF4-FFF2-40B4-BE49-F238E27FC236}">
+                <a16:creationId xmlns:a16="http://schemas.microsoft.com/office/drawing/2014/main" id="{FE74C125-F76E-D8C1-FD43-D18864173FAE}"/>
+              </a:ext>
+            </a:extLst>
+          </p:cNvPr>
+          <p:cNvPicPr>
+            <a:picLocks noChangeAspect="1"/>
+          </p:cNvPicPr>
+          <p:nvPr/>
+        </p:nvPicPr>
+        <p:blipFill>
+          <a:blip r:embed="rId4"/>
+          <a:stretch>
+            <a:fillRect/>
+          </a:stretch>
+        </p:blipFill>
+        <p:spPr>
+          <a:xfrm>
+            <a:off x="3050146" y="3568793"/>
+            <a:ext cx="5866326" cy="3294302"/>
+          </a:xfrm>
+          <a:prstGeom prst="rect">
+            <a:avLst/>
+          </a:prstGeom>
+        </p:spPr>
+      </p:pic>
+      <p:sp>
+        <p:nvSpPr>
+          <p:cNvPr id="7" name="TextBox 6">
+            <a:extLst>
+              <a:ext uri="{FF2B5EF4-FFF2-40B4-BE49-F238E27FC236}">
+                <a16:creationId xmlns:a16="http://schemas.microsoft.com/office/drawing/2014/main" id="{E4084789-099C-AD85-1028-469B3A314E28}"/>
+              </a:ext>
+            </a:extLst>
+          </p:cNvPr>
+          <p:cNvSpPr txBox="1"/>
+          <p:nvPr/>
+        </p:nvSpPr>
+        <p:spPr>
+          <a:xfrm>
+            <a:off x="364901" y="3300211"/>
+            <a:ext cx="1247640" cy="369332"/>
+          </a:xfrm>
+          <a:prstGeom prst="rect">
+            <a:avLst/>
+          </a:prstGeom>
+          <a:noFill/>
+        </p:spPr>
+        <p:txBody>
+          <a:bodyPr rot="0" spcFirstLastPara="0" vertOverflow="overflow" horzOverflow="overflow" vert="horz" wrap="square" lIns="91440" tIns="45720" rIns="91440" bIns="45720" numCol="1" spcCol="0" rtlCol="0" fromWordArt="0" anchor="t" anchorCtr="0" forceAA="0" compatLnSpc="1">
+            <a:prstTxWarp prst="textNoShape">
+              <a:avLst/>
+            </a:prstTxWarp>
+            <a:spAutoFit/>
           </a:bodyPr>
           <a:lstStyle/>
           <a:p>
             <a:r>
-              <a:rPr lang="en-SG" dirty="0"/>
-              <a:t>IP Address: 119.74.24.181</a:t>
-            </a:r>
-          </a:p>
-          <a:p>
-            <a:r>
-              <a:rPr lang="en-SG" dirty="0"/>
-              <a:t>Port: 3306</a:t>
-            </a:r>
-          </a:p>
-          <a:p>
-            <a:r>
-              <a:rPr lang="en-SG" dirty="0"/>
-              <a:t>User: </a:t>
-            </a:r>
-            <a:r>
-              <a:rPr lang="en-SG" dirty="0" err="1"/>
-              <a:t>htx</a:t>
-            </a:r>
-            <a:endParaRPr lang="en-SG" dirty="0"/>
-          </a:p>
-          <a:p>
-            <a:r>
-              <a:rPr lang="en-SG" dirty="0"/>
-              <a:t>Password: Police123456</a:t>
-            </a:r>
-          </a:p>
-          <a:p>
-            <a:r>
-              <a:rPr lang="en-SG" dirty="0"/>
-              <a:t>Database: </a:t>
-            </a:r>
-            <a:r>
-              <a:rPr lang="en-SG" dirty="0" err="1"/>
-              <a:t>astro</a:t>
-            </a:r>
-            <a:endParaRPr lang="en-SG" dirty="0" err="1">
-              <a:cs typeface="Calibri"/>
-            </a:endParaRPr>
-          </a:p>
-          <a:p>
-            <a:r>
-              <a:rPr lang="en-SG" dirty="0"/>
-              <a:t>SSL: DISABLED</a:t>
-            </a:r>
+              <a:rPr lang="en-US" dirty="0">
+                <a:cs typeface="Calibri"/>
+              </a:rPr>
+              <a:t>Design 1</a:t>
+            </a:r>
+            <a:endParaRPr lang="en-US" dirty="0"/>
+          </a:p>
+        </p:txBody>
+      </p:sp>
+      <p:sp>
+        <p:nvSpPr>
+          <p:cNvPr id="8" name="TextBox 7">
+            <a:extLst>
+              <a:ext uri="{FF2B5EF4-FFF2-40B4-BE49-F238E27FC236}">
+                <a16:creationId xmlns:a16="http://schemas.microsoft.com/office/drawing/2014/main" id="{BD8B8709-4290-12C5-2E2D-01DA7314A317}"/>
+              </a:ext>
+            </a:extLst>
+          </p:cNvPr>
+          <p:cNvSpPr txBox="1"/>
+          <p:nvPr/>
+        </p:nvSpPr>
+        <p:spPr>
+          <a:xfrm>
+            <a:off x="10646535" y="3343140"/>
+            <a:ext cx="1247640" cy="369332"/>
+          </a:xfrm>
+          <a:prstGeom prst="rect">
+            <a:avLst/>
+          </a:prstGeom>
+          <a:noFill/>
+        </p:spPr>
+        <p:txBody>
+          <a:bodyPr rot="0" spcFirstLastPara="0" vertOverflow="overflow" horzOverflow="overflow" vert="horz" wrap="square" lIns="91440" tIns="45720" rIns="91440" bIns="45720" numCol="1" spcCol="0" rtlCol="0" fromWordArt="0" anchor="t" anchorCtr="0" forceAA="0" compatLnSpc="1">
+            <a:prstTxWarp prst="textNoShape">
+              <a:avLst/>
+            </a:prstTxWarp>
+            <a:spAutoFit/>
+          </a:bodyPr>
+          <a:lstStyle/>
+          <a:p>
+            <a:r>
+              <a:rPr lang="en-US" dirty="0">
+                <a:cs typeface="Calibri"/>
+              </a:rPr>
+              <a:t>Design 2</a:t>
+            </a:r>
+            <a:endParaRPr lang="en-US" dirty="0"/>
+          </a:p>
+        </p:txBody>
+      </p:sp>
+      <p:sp>
+        <p:nvSpPr>
+          <p:cNvPr id="9" name="TextBox 8">
+            <a:extLst>
+              <a:ext uri="{FF2B5EF4-FFF2-40B4-BE49-F238E27FC236}">
+                <a16:creationId xmlns:a16="http://schemas.microsoft.com/office/drawing/2014/main" id="{F5F6CB93-9B4F-7FA3-E157-5F31A04BEBB3}"/>
+              </a:ext>
+            </a:extLst>
+          </p:cNvPr>
+          <p:cNvSpPr txBox="1"/>
+          <p:nvPr/>
+        </p:nvSpPr>
+        <p:spPr>
+          <a:xfrm>
+            <a:off x="9015211" y="5028126"/>
+            <a:ext cx="1247640" cy="369332"/>
+          </a:xfrm>
+          <a:prstGeom prst="rect">
+            <a:avLst/>
+          </a:prstGeom>
+          <a:noFill/>
+        </p:spPr>
+        <p:txBody>
+          <a:bodyPr rot="0" spcFirstLastPara="0" vertOverflow="overflow" horzOverflow="overflow" vert="horz" wrap="square" lIns="91440" tIns="45720" rIns="91440" bIns="45720" numCol="1" spcCol="0" rtlCol="0" fromWordArt="0" anchor="t" anchorCtr="0" forceAA="0" compatLnSpc="1">
+            <a:prstTxWarp prst="textNoShape">
+              <a:avLst/>
+            </a:prstTxWarp>
+            <a:spAutoFit/>
+          </a:bodyPr>
+          <a:lstStyle/>
+          <a:p>
+            <a:r>
+              <a:rPr lang="en-US" dirty="0">
+                <a:cs typeface="Calibri"/>
+              </a:rPr>
+              <a:t>Design 3</a:t>
+            </a:r>
+            <a:endParaRPr lang="en-US" dirty="0"/>
           </a:p>
         </p:txBody>
       </p:sp>
     </p:spTree>
     <p:extLst>
       <p:ext uri="{BB962C8B-B14F-4D97-AF65-F5344CB8AC3E}">
-        <p14:creationId xmlns:p14="http://schemas.microsoft.com/office/powerpoint/2010/main" val="1000441774"/>
+        <p14:creationId xmlns:p14="http://schemas.microsoft.com/office/powerpoint/2010/main" val="1449626964"/>
       </p:ext>
     </p:extLst>
   </p:cSld>
@@ -3808,7 +3980,7 @@
 </file>
 
 <file path=ppt/slides/slide4.xml><?xml version="1.0" encoding="utf-8"?>
-<p:sld xmlns:a="http://schemas.openxmlformats.org/drawingml/2006/main" xmlns:r="http://schemas.openxmlformats.org/officeDocument/2006/relationships" xmlns:p="http://schemas.openxmlformats.org/presentationml/2006/main" show="0">
+<p:sld xmlns:a="http://schemas.openxmlformats.org/drawingml/2006/main" xmlns:r="http://schemas.openxmlformats.org/officeDocument/2006/relationships" xmlns:p="http://schemas.openxmlformats.org/presentationml/2006/main">
   <p:cSld>
     <p:spTree>
       <p:nvGrpSpPr>
@@ -3829,7 +4001,7 @@
           <p:cNvPr id="2" name="Title 1">
             <a:extLst>
               <a:ext uri="{FF2B5EF4-FFF2-40B4-BE49-F238E27FC236}">
-                <a16:creationId xmlns:a16="http://schemas.microsoft.com/office/drawing/2014/main" id="{5DA7AAE0-32B0-0E66-0495-DCD1A930CCE5}"/>
+                <a16:creationId xmlns:a16="http://schemas.microsoft.com/office/drawing/2014/main" id="{87C1134E-558F-E8BC-CE02-E2B8A166D3EF}"/>
               </a:ext>
             </a:extLst>
           </p:cNvPr>
@@ -3847,41 +4019,91 @@
           <a:p>
             <a:r>
               <a:rPr lang="en-SG" dirty="0" err="1"/>
-              <a:t>Phishpulse</a:t>
+              <a:t>Mysql</a:t>
+            </a:r>
+            <a:r>
+              <a:rPr lang="en-SG" dirty="0"/>
+              <a:t> database login</a:t>
+            </a:r>
+          </a:p>
+        </p:txBody>
+      </p:sp>
+      <p:sp>
+        <p:nvSpPr>
+          <p:cNvPr id="3" name="Content Placeholder 2">
+            <a:extLst>
+              <a:ext uri="{FF2B5EF4-FFF2-40B4-BE49-F238E27FC236}">
+                <a16:creationId xmlns:a16="http://schemas.microsoft.com/office/drawing/2014/main" id="{C7B60183-18AF-F797-26C6-7D04774AA39B}"/>
+              </a:ext>
+            </a:extLst>
+          </p:cNvPr>
+          <p:cNvSpPr>
+            <a:spLocks noGrp="1"/>
+          </p:cNvSpPr>
+          <p:nvPr>
+            <p:ph idx="1"/>
+          </p:nvPr>
+        </p:nvSpPr>
+        <p:spPr/>
+        <p:txBody>
+          <a:bodyPr vert="horz" lIns="91440" tIns="45720" rIns="91440" bIns="45720" rtlCol="0" anchor="t">
+            <a:normAutofit/>
+          </a:bodyPr>
+          <a:lstStyle/>
+          <a:p>
+            <a:r>
+              <a:rPr lang="en-SG" dirty="0"/>
+              <a:t>IP Address: 119.74.24.181</a:t>
+            </a:r>
+          </a:p>
+          <a:p>
+            <a:r>
+              <a:rPr lang="en-SG" dirty="0"/>
+              <a:t>Port: 3306</a:t>
+            </a:r>
+          </a:p>
+          <a:p>
+            <a:r>
+              <a:rPr lang="en-SG" dirty="0"/>
+              <a:t>User: </a:t>
+            </a:r>
+            <a:r>
+              <a:rPr lang="en-SG" dirty="0" err="1"/>
+              <a:t>htx</a:t>
             </a:r>
             <a:endParaRPr lang="en-SG" dirty="0"/>
           </a:p>
-        </p:txBody>
-      </p:sp>
-      <p:sp>
-        <p:nvSpPr>
-          <p:cNvPr id="3" name="Content Placeholder 2">
-            <a:extLst>
-              <a:ext uri="{FF2B5EF4-FFF2-40B4-BE49-F238E27FC236}">
-                <a16:creationId xmlns:a16="http://schemas.microsoft.com/office/drawing/2014/main" id="{C5425F23-35D2-F336-C2AF-86767A82C95F}"/>
-              </a:ext>
-            </a:extLst>
-          </p:cNvPr>
-          <p:cNvSpPr>
-            <a:spLocks noGrp="1"/>
-          </p:cNvSpPr>
-          <p:nvPr>
-            <p:ph idx="1"/>
-          </p:nvPr>
-        </p:nvSpPr>
-        <p:spPr/>
-        <p:txBody>
-          <a:bodyPr/>
-          <a:lstStyle/>
-          <a:p>
-            <a:endParaRPr lang="en-SG"/>
+          <a:p>
+            <a:r>
+              <a:rPr lang="en-SG" dirty="0"/>
+              <a:t>Password: Police123456</a:t>
+            </a:r>
+          </a:p>
+          <a:p>
+            <a:r>
+              <a:rPr lang="en-SG" dirty="0"/>
+              <a:t>Database: </a:t>
+            </a:r>
+            <a:r>
+              <a:rPr lang="en-SG" dirty="0" err="1"/>
+              <a:t>astro</a:t>
+            </a:r>
+            <a:endParaRPr lang="en-SG" dirty="0" err="1">
+              <a:cs typeface="Calibri"/>
+            </a:endParaRPr>
+          </a:p>
+          <a:p>
+            <a:r>
+              <a:rPr lang="en-SG" dirty="0"/>
+              <a:t>SSL: DISABLED</a:t>
+            </a:r>
           </a:p>
         </p:txBody>
       </p:sp>
     </p:spTree>
     <p:extLst>
       <p:ext uri="{BB962C8B-B14F-4D97-AF65-F5344CB8AC3E}">
-        <p14:creationId xmlns:p14="http://schemas.microsoft.com/office/powerpoint/2010/main" val="3751030780"/>
+        <p14:creationId xmlns:p14="http://schemas.microsoft.com/office/powerpoint/2010/main" val="1000441774"/>
       </p:ext>
     </p:extLst>
   </p:cSld>
@@ -3892,7 +4114,7 @@
 </file>
 
 <file path=ppt/slides/slide5.xml><?xml version="1.0" encoding="utf-8"?>
-<p:sld xmlns:a="http://schemas.openxmlformats.org/drawingml/2006/main" xmlns:r="http://schemas.openxmlformats.org/officeDocument/2006/relationships" xmlns:p="http://schemas.openxmlformats.org/presentationml/2006/main" show="0">
+<p:sld xmlns:a="http://schemas.openxmlformats.org/drawingml/2006/main" xmlns:r="http://schemas.openxmlformats.org/officeDocument/2006/relationships" xmlns:p="http://schemas.openxmlformats.org/presentationml/2006/main">
   <p:cSld>
     <p:spTree>
       <p:nvGrpSpPr>
@@ -3913,7 +4135,7 @@
           <p:cNvPr id="2" name="Title 1">
             <a:extLst>
               <a:ext uri="{FF2B5EF4-FFF2-40B4-BE49-F238E27FC236}">
-                <a16:creationId xmlns:a16="http://schemas.microsoft.com/office/drawing/2014/main" id="{E68F7B29-B56C-3462-0868-D858DB4E9B7C}"/>
+                <a16:creationId xmlns:a16="http://schemas.microsoft.com/office/drawing/2014/main" id="{7B14EDE0-E670-3417-D08D-C54474066FE3}"/>
               </a:ext>
             </a:extLst>
           </p:cNvPr>
@@ -3924,76 +4146,273 @@
             <p:ph type="title"/>
           </p:nvPr>
         </p:nvSpPr>
-        <p:spPr/>
-        <p:txBody>
-          <a:bodyPr/>
-          <a:lstStyle/>
-          <a:p>
-            <a:endParaRPr lang="en-SG"/>
-          </a:p>
-        </p:txBody>
-      </p:sp>
-      <p:sp>
-        <p:nvSpPr>
-          <p:cNvPr id="3" name="Content Placeholder 2">
-            <a:extLst>
-              <a:ext uri="{FF2B5EF4-FFF2-40B4-BE49-F238E27FC236}">
-                <a16:creationId xmlns:a16="http://schemas.microsoft.com/office/drawing/2014/main" id="{D6527C16-1FF1-8A2D-4BCF-22FDFCF57F16}"/>
-              </a:ext>
-            </a:extLst>
-          </p:cNvPr>
-          <p:cNvSpPr>
-            <a:spLocks noGrp="1"/>
-          </p:cNvSpPr>
-          <p:nvPr>
-            <p:ph idx="1"/>
-          </p:nvPr>
-        </p:nvSpPr>
-        <p:spPr/>
-        <p:txBody>
-          <a:bodyPr/>
-          <a:lstStyle/>
-          <a:p>
-            <a:endParaRPr lang="en-SG"/>
-          </a:p>
-        </p:txBody>
-      </p:sp>
-      <p:pic>
-        <p:nvPicPr>
-          <p:cNvPr id="5" name="Picture 4">
-            <a:extLst>
-              <a:ext uri="{FF2B5EF4-FFF2-40B4-BE49-F238E27FC236}">
-                <a16:creationId xmlns:a16="http://schemas.microsoft.com/office/drawing/2014/main" id="{9710ED54-E410-194D-42E2-8745C4AD64BB}"/>
-              </a:ext>
-            </a:extLst>
-          </p:cNvPr>
-          <p:cNvPicPr>
-            <a:picLocks noChangeAspect="1"/>
-          </p:cNvPicPr>
-          <p:nvPr/>
-        </p:nvPicPr>
-        <p:blipFill>
-          <a:blip r:embed="rId2"/>
-          <a:stretch>
-            <a:fillRect/>
-          </a:stretch>
-        </p:blipFill>
         <p:spPr>
           <a:xfrm>
-            <a:off x="473523" y="0"/>
-            <a:ext cx="11244954" cy="6858000"/>
+            <a:off x="408904" y="96815"/>
+            <a:ext cx="10515600" cy="1325563"/>
           </a:xfrm>
-          <a:prstGeom prst="rect">
-            <a:avLst/>
-          </a:prstGeom>
         </p:spPr>
-      </p:pic>
-      <p:sp>
-        <p:nvSpPr>
-          <p:cNvPr id="6" name="TextBox 5">
-            <a:extLst>
-              <a:ext uri="{FF2B5EF4-FFF2-40B4-BE49-F238E27FC236}">
-                <a16:creationId xmlns:a16="http://schemas.microsoft.com/office/drawing/2014/main" id="{66ADE547-E2BA-4DFA-334A-AA75543B91DA}"/>
+        <p:txBody>
+          <a:bodyPr/>
+          <a:lstStyle/>
+          <a:p>
+            <a:r>
+              <a:rPr lang="en-US" dirty="0" err="1">
+                <a:cs typeface="Calibri Light"/>
+              </a:rPr>
+              <a:t>MySql</a:t>
+            </a:r>
+            <a:r>
+              <a:rPr lang="en-US" dirty="0">
+                <a:cs typeface="Calibri Light"/>
+              </a:rPr>
+              <a:t> data</a:t>
+            </a:r>
+            <a:endParaRPr lang="en-US" dirty="0" err="1"/>
+          </a:p>
+        </p:txBody>
+      </p:sp>
+      <p:sp>
+        <p:nvSpPr>
+          <p:cNvPr id="3" name="Content Placeholder 2">
+            <a:extLst>
+              <a:ext uri="{FF2B5EF4-FFF2-40B4-BE49-F238E27FC236}">
+                <a16:creationId xmlns:a16="http://schemas.microsoft.com/office/drawing/2014/main" id="{AE9D29FB-D104-D4AC-3321-9D98434B2E1C}"/>
+              </a:ext>
+            </a:extLst>
+          </p:cNvPr>
+          <p:cNvSpPr>
+            <a:spLocks noGrp="1"/>
+          </p:cNvSpPr>
+          <p:nvPr>
+            <p:ph idx="1"/>
+          </p:nvPr>
+        </p:nvSpPr>
+        <p:spPr>
+          <a:xfrm>
+            <a:off x="290848" y="1331935"/>
+            <a:ext cx="3518079" cy="4351338"/>
+          </a:xfrm>
+        </p:spPr>
+        <p:txBody>
+          <a:bodyPr vert="horz" lIns="91440" tIns="45720" rIns="91440" bIns="45720" rtlCol="0" anchor="t">
+            <a:normAutofit fontScale="62500" lnSpcReduction="20000"/>
+          </a:bodyPr>
+          <a:lstStyle/>
+          <a:p>
+            <a:pPr marL="0" indent="0">
+              <a:buNone/>
+            </a:pPr>
+            <a:r>
+              <a:rPr lang="en-US" b="1" dirty="0">
+                <a:ea typeface="+mn-lt"/>
+                <a:cs typeface="+mn-lt"/>
+              </a:rPr>
+              <a:t>Report</a:t>
+            </a:r>
+            <a:endParaRPr lang="en-US" b="1" dirty="0">
+              <a:cs typeface="Calibri"/>
+            </a:endParaRPr>
+          </a:p>
+          <a:p>
+            <a:r>
+              <a:rPr lang="en-US" dirty="0" err="1">
+                <a:ea typeface="+mn-lt"/>
+                <a:cs typeface="+mn-lt"/>
+              </a:rPr>
+              <a:t>report_number</a:t>
+            </a:r>
+            <a:r>
+              <a:rPr lang="en-US" dirty="0">
+                <a:ea typeface="+mn-lt"/>
+                <a:cs typeface="+mn-lt"/>
+              </a:rPr>
+              <a:t> char(15) </a:t>
+            </a:r>
+            <a:endParaRPr lang="en-US"/>
+          </a:p>
+          <a:p>
+            <a:r>
+              <a:rPr lang="en-US" dirty="0" err="1">
+                <a:ea typeface="+mn-lt"/>
+                <a:cs typeface="+mn-lt"/>
+              </a:rPr>
+              <a:t>initial_report_number</a:t>
+            </a:r>
+            <a:r>
+              <a:rPr lang="en-US" dirty="0">
+                <a:ea typeface="+mn-lt"/>
+                <a:cs typeface="+mn-lt"/>
+              </a:rPr>
+              <a:t> char(15) </a:t>
+            </a:r>
+            <a:endParaRPr lang="en-US"/>
+          </a:p>
+          <a:p>
+            <a:r>
+              <a:rPr lang="en-US" dirty="0">
+                <a:ea typeface="+mn-lt"/>
+                <a:cs typeface="+mn-lt"/>
+              </a:rPr>
+              <a:t>classification text </a:t>
+            </a:r>
+            <a:endParaRPr lang="en-US"/>
+          </a:p>
+          <a:p>
+            <a:r>
+              <a:rPr lang="en-US" dirty="0" err="1">
+                <a:ea typeface="+mn-lt"/>
+                <a:cs typeface="+mn-lt"/>
+              </a:rPr>
+              <a:t>scam_type</a:t>
+            </a:r>
+            <a:r>
+              <a:rPr lang="en-US" dirty="0">
+                <a:ea typeface="+mn-lt"/>
+                <a:cs typeface="+mn-lt"/>
+              </a:rPr>
+              <a:t> text </a:t>
+            </a:r>
+            <a:endParaRPr lang="en-US"/>
+          </a:p>
+          <a:p>
+            <a:r>
+              <a:rPr lang="en-US" dirty="0" err="1">
+                <a:ea typeface="+mn-lt"/>
+                <a:cs typeface="+mn-lt"/>
+              </a:rPr>
+              <a:t>amount_scammed</a:t>
+            </a:r>
+            <a:r>
+              <a:rPr lang="en-US" dirty="0">
+                <a:ea typeface="+mn-lt"/>
+                <a:cs typeface="+mn-lt"/>
+              </a:rPr>
+              <a:t> double </a:t>
+            </a:r>
+            <a:endParaRPr lang="en-US"/>
+          </a:p>
+          <a:p>
+            <a:r>
+              <a:rPr lang="en-US" dirty="0" err="1">
+                <a:ea typeface="+mn-lt"/>
+                <a:cs typeface="+mn-lt"/>
+              </a:rPr>
+              <a:t>amount_transcated</a:t>
+            </a:r>
+            <a:r>
+              <a:rPr lang="en-US" dirty="0">
+                <a:ea typeface="+mn-lt"/>
+                <a:cs typeface="+mn-lt"/>
+              </a:rPr>
+              <a:t> double </a:t>
+            </a:r>
+            <a:endParaRPr lang="en-US"/>
+          </a:p>
+          <a:p>
+            <a:r>
+              <a:rPr lang="en-US" dirty="0">
+                <a:ea typeface="+mn-lt"/>
+                <a:cs typeface="+mn-lt"/>
+              </a:rPr>
+              <a:t>remarks text </a:t>
+            </a:r>
+            <a:endParaRPr lang="en-US"/>
+          </a:p>
+          <a:p>
+            <a:r>
+              <a:rPr lang="en-US" dirty="0" err="1">
+                <a:ea typeface="+mn-lt"/>
+                <a:cs typeface="+mn-lt"/>
+              </a:rPr>
+              <a:t>division_assigned</a:t>
+            </a:r>
+            <a:r>
+              <a:rPr lang="en-US" dirty="0">
+                <a:ea typeface="+mn-lt"/>
+                <a:cs typeface="+mn-lt"/>
+              </a:rPr>
+              <a:t> text </a:t>
+            </a:r>
+            <a:endParaRPr lang="en-US"/>
+          </a:p>
+          <a:p>
+            <a:r>
+              <a:rPr lang="en-US" dirty="0" err="1">
+                <a:ea typeface="+mn-lt"/>
+                <a:cs typeface="+mn-lt"/>
+              </a:rPr>
+              <a:t>date_assigned</a:t>
+            </a:r>
+            <a:r>
+              <a:rPr lang="en-US" dirty="0">
+                <a:ea typeface="+mn-lt"/>
+                <a:cs typeface="+mn-lt"/>
+              </a:rPr>
+              <a:t> date </a:t>
+            </a:r>
+            <a:endParaRPr lang="en-US"/>
+          </a:p>
+          <a:p>
+            <a:r>
+              <a:rPr lang="en-US" dirty="0" err="1">
+                <a:ea typeface="+mn-lt"/>
+                <a:cs typeface="+mn-lt"/>
+              </a:rPr>
+              <a:t>asc_do</a:t>
+            </a:r>
+            <a:r>
+              <a:rPr lang="en-US" dirty="0">
+                <a:ea typeface="+mn-lt"/>
+                <a:cs typeface="+mn-lt"/>
+              </a:rPr>
+              <a:t> text </a:t>
+            </a:r>
+            <a:endParaRPr lang="en-US"/>
+          </a:p>
+          <a:p>
+            <a:r>
+              <a:rPr lang="en-US" dirty="0" err="1">
+                <a:ea typeface="+mn-lt"/>
+                <a:cs typeface="+mn-lt"/>
+              </a:rPr>
+              <a:t>referral_date</a:t>
+            </a:r>
+            <a:r>
+              <a:rPr lang="en-US" dirty="0">
+                <a:ea typeface="+mn-lt"/>
+                <a:cs typeface="+mn-lt"/>
+              </a:rPr>
+              <a:t> varchar(255) </a:t>
+            </a:r>
+            <a:endParaRPr lang="en-US"/>
+          </a:p>
+          <a:p>
+            <a:r>
+              <a:rPr lang="en-US" dirty="0">
+                <a:ea typeface="+mn-lt"/>
+                <a:cs typeface="+mn-lt"/>
+              </a:rPr>
+              <a:t>division text </a:t>
+            </a:r>
+            <a:endParaRPr lang="en-US"/>
+          </a:p>
+          <a:p>
+            <a:endParaRPr lang="en-US"/>
+          </a:p>
+          <a:p>
+            <a:endParaRPr lang="en-US" dirty="0">
+              <a:cs typeface="Calibri"/>
+            </a:endParaRPr>
+          </a:p>
+        </p:txBody>
+      </p:sp>
+      <p:sp>
+        <p:nvSpPr>
+          <p:cNvPr id="5" name="TextBox 4">
+            <a:extLst>
+              <a:ext uri="{FF2B5EF4-FFF2-40B4-BE49-F238E27FC236}">
+                <a16:creationId xmlns:a16="http://schemas.microsoft.com/office/drawing/2014/main" id="{64AD024A-E218-9BB4-A816-1A5370DBB4E7}"/>
               </a:ext>
             </a:extLst>
           </p:cNvPr>
@@ -4002,8 +4421,8 @@
         </p:nvSpPr>
         <p:spPr>
           <a:xfrm>
-            <a:off x="305572" y="2196426"/>
-            <a:ext cx="2904159" cy="4247317"/>
+            <a:off x="3724141" y="1255689"/>
+            <a:ext cx="5178379" cy="1477328"/>
           </a:xfrm>
           <a:prstGeom prst="rect">
             <a:avLst/>
@@ -4011,66 +4430,413 @@
           <a:noFill/>
         </p:spPr>
         <p:txBody>
-          <a:bodyPr wrap="square" rtlCol="0">
+          <a:bodyPr rot="0" spcFirstLastPara="0" vertOverflow="overflow" horzOverflow="overflow" vert="horz" wrap="square" lIns="91440" tIns="45720" rIns="91440" bIns="45720" numCol="1" spcCol="0" rtlCol="0" fromWordArt="0" anchor="t" anchorCtr="0" forceAA="0" compatLnSpc="1">
+            <a:prstTxWarp prst="textNoShape">
+              <a:avLst/>
+            </a:prstTxWarp>
             <a:spAutoFit/>
           </a:bodyPr>
           <a:lstStyle/>
           <a:p>
             <a:r>
+              <a:rPr lang="en-US" b="1" dirty="0">
+                <a:ea typeface="+mn-lt"/>
+                <a:cs typeface="+mn-lt"/>
+              </a:rPr>
+              <a:t>Victim</a:t>
+            </a:r>
+            <a:endParaRPr lang="en-US" b="1" dirty="0"/>
+          </a:p>
+          <a:p>
+            <a:pPr marL="285750" indent="-285750">
+              <a:buFont typeface="Arial"/>
+              <a:buChar char="•"/>
+            </a:pPr>
+            <a:r>
+              <a:rPr lang="en-US" dirty="0" err="1">
+                <a:ea typeface="+mn-lt"/>
+                <a:cs typeface="+mn-lt"/>
+              </a:rPr>
+              <a:t>account_holder_name</a:t>
+            </a:r>
+            <a:r>
+              <a:rPr lang="en-US" dirty="0">
+                <a:ea typeface="+mn-lt"/>
+                <a:cs typeface="+mn-lt"/>
+              </a:rPr>
+              <a:t> text </a:t>
+            </a:r>
+            <a:endParaRPr lang="en-US">
+              <a:cs typeface="Calibri" panose="020F0502020204030204"/>
+            </a:endParaRPr>
+          </a:p>
+          <a:p>
+            <a:pPr marL="285750" indent="-285750">
+              <a:buFont typeface="Arial"/>
+              <a:buChar char="•"/>
+            </a:pPr>
+            <a:r>
+              <a:rPr lang="en-US" dirty="0" err="1">
+                <a:ea typeface="+mn-lt"/>
+                <a:cs typeface="+mn-lt"/>
+              </a:rPr>
+              <a:t>account_holder_nric</a:t>
+            </a:r>
+            <a:r>
+              <a:rPr lang="en-US" dirty="0">
+                <a:ea typeface="+mn-lt"/>
+                <a:cs typeface="+mn-lt"/>
+              </a:rPr>
+              <a:t> text </a:t>
+            </a:r>
+            <a:endParaRPr lang="en-US">
+              <a:cs typeface="Calibri" panose="020F0502020204030204"/>
+            </a:endParaRPr>
+          </a:p>
+          <a:p>
+            <a:pPr marL="285750" indent="-285750">
+              <a:buFont typeface="Arial"/>
+              <a:buChar char="•"/>
+            </a:pPr>
+            <a:r>
+              <a:rPr lang="en-US" dirty="0" err="1">
+                <a:ea typeface="+mn-lt"/>
+                <a:cs typeface="+mn-lt"/>
+              </a:rPr>
+              <a:t>acount_holder_phone_number</a:t>
+            </a:r>
+            <a:r>
+              <a:rPr lang="en-US" dirty="0">
+                <a:ea typeface="+mn-lt"/>
+                <a:cs typeface="+mn-lt"/>
+              </a:rPr>
+              <a:t> char(8) </a:t>
+            </a:r>
+            <a:endParaRPr lang="en-US">
+              <a:cs typeface="Calibri" panose="020F0502020204030204"/>
+            </a:endParaRPr>
+          </a:p>
+          <a:p>
+            <a:pPr algn="l"/>
+            <a:endParaRPr lang="en-US" dirty="0">
+              <a:cs typeface="Calibri"/>
+            </a:endParaRPr>
+          </a:p>
+        </p:txBody>
+      </p:sp>
+      <p:sp>
+        <p:nvSpPr>
+          <p:cNvPr id="6" name="TextBox 5">
+            <a:extLst>
+              <a:ext uri="{FF2B5EF4-FFF2-40B4-BE49-F238E27FC236}">
+                <a16:creationId xmlns:a16="http://schemas.microsoft.com/office/drawing/2014/main" id="{8B30C44A-0240-1FB6-7684-4CD68177A452}"/>
+              </a:ext>
+            </a:extLst>
+          </p:cNvPr>
+          <p:cNvSpPr txBox="1"/>
+          <p:nvPr/>
+        </p:nvSpPr>
+        <p:spPr>
+          <a:xfrm>
+            <a:off x="3672625" y="2878428"/>
+            <a:ext cx="4074016" cy="2585323"/>
+          </a:xfrm>
+          <a:prstGeom prst="rect">
+            <a:avLst/>
+          </a:prstGeom>
+          <a:noFill/>
+        </p:spPr>
+        <p:txBody>
+          <a:bodyPr rot="0" spcFirstLastPara="0" vertOverflow="overflow" horzOverflow="overflow" vert="horz" wrap="square" lIns="91440" tIns="45720" rIns="91440" bIns="45720" numCol="1" spcCol="0" rtlCol="0" fromWordArt="0" anchor="t" anchorCtr="0" forceAA="0" compatLnSpc="1">
+            <a:prstTxWarp prst="textNoShape">
+              <a:avLst/>
+            </a:prstTxWarp>
+            <a:spAutoFit/>
+          </a:bodyPr>
+          <a:lstStyle/>
+          <a:p>
+            <a:r>
+              <a:rPr lang="en-US" b="1" dirty="0"/>
+              <a:t>Scammer</a:t>
+            </a:r>
+          </a:p>
+          <a:p>
+            <a:pPr marL="285750" indent="-285750">
+              <a:buFont typeface="Arial"/>
+              <a:buChar char="•"/>
+            </a:pPr>
+            <a:r>
               <a:rPr lang="en-US" dirty="0"/>
-              <a:t>Past 30 days record.</a:t>
-            </a:r>
-          </a:p>
-          <a:p>
-            <a:endParaRPr lang="en-US" dirty="0"/>
-          </a:p>
-          <a:p>
+              <a:t>bank text </a:t>
+            </a:r>
+            <a:endParaRPr lang="en-US" dirty="0">
+              <a:cs typeface="Calibri" panose="020F0502020204030204"/>
+            </a:endParaRPr>
+          </a:p>
+          <a:p>
+            <a:pPr marL="285750" indent="-285750">
+              <a:buFont typeface="Arial"/>
+              <a:buChar char="•"/>
+            </a:pPr>
+            <a:r>
+              <a:rPr lang="en-US" dirty="0" err="1"/>
+              <a:t>account_number</a:t>
+            </a:r>
             <a:r>
               <a:rPr lang="en-US" dirty="0"/>
-              <a:t>Total number of websites</a:t>
-            </a:r>
-          </a:p>
-          <a:p>
-            <a:endParaRPr lang="en-US" dirty="0"/>
-          </a:p>
-          <a:p>
+              <a:t> text </a:t>
+            </a:r>
+            <a:endParaRPr lang="en-US">
+              <a:cs typeface="Calibri" panose="020F0502020204030204"/>
+            </a:endParaRPr>
+          </a:p>
+          <a:p>
+            <a:pPr marL="285750" indent="-285750">
+              <a:buFont typeface="Arial"/>
+              <a:buChar char="•"/>
+            </a:pPr>
+            <a:r>
+              <a:rPr lang="en-US" dirty="0" err="1"/>
+              <a:t>phone_number</a:t>
+            </a:r>
             <a:r>
               <a:rPr lang="en-US" dirty="0"/>
-              <a:t>All stored in </a:t>
-            </a:r>
+              <a:t> char(8) </a:t>
+            </a:r>
+            <a:endParaRPr lang="en-US" dirty="0">
+              <a:cs typeface="Calibri" panose="020F0502020204030204"/>
+            </a:endParaRPr>
+          </a:p>
+          <a:p>
+            <a:pPr marL="285750" indent="-285750">
+              <a:buFont typeface="Arial"/>
+              <a:buChar char="•"/>
+            </a:pPr>
             <a:r>
               <a:rPr lang="en-US" dirty="0" err="1"/>
-              <a:t>mysql</a:t>
-            </a:r>
-            <a:endParaRPr lang="en-US" dirty="0"/>
-          </a:p>
-          <a:p>
-            <a:endParaRPr lang="en-US" dirty="0"/>
-          </a:p>
-          <a:p>
+              <a:t>whatsap_number</a:t>
+            </a:r>
             <a:r>
               <a:rPr lang="en-US" dirty="0"/>
-              <a:t>Rate = past certain threshold (e.g. how many days out of 30 days past threshold of 8, e.g. cumulative of past 30 days)</a:t>
-            </a:r>
-          </a:p>
-          <a:p>
-            <a:endParaRPr lang="en-US" dirty="0"/>
-          </a:p>
-          <a:p>
+              <a:t> char(8) </a:t>
+            </a:r>
+            <a:endParaRPr lang="en-US" dirty="0">
+              <a:cs typeface="Calibri" panose="020F0502020204030204"/>
+            </a:endParaRPr>
+          </a:p>
+          <a:p>
+            <a:pPr marL="285750" indent="-285750">
+              <a:buFont typeface="Arial"/>
+              <a:buChar char="•"/>
+            </a:pPr>
+            <a:r>
+              <a:rPr lang="en-US" dirty="0" err="1"/>
+              <a:t>online_market_place</a:t>
+            </a:r>
             <a:r>
               <a:rPr lang="en-US" dirty="0"/>
-              <a:t>Trend: pass values into linear regression model</a:t>
-            </a:r>
-          </a:p>
-          <a:p>
-            <a:endParaRPr lang="en-US" dirty="0"/>
+              <a:t> text </a:t>
+            </a:r>
+            <a:endParaRPr lang="en-US" dirty="0">
+              <a:cs typeface="Calibri" panose="020F0502020204030204"/>
+            </a:endParaRPr>
+          </a:p>
+          <a:p>
+            <a:pPr marL="285750" indent="-285750">
+              <a:buFont typeface="Arial"/>
+              <a:buChar char="•"/>
+            </a:pPr>
+            <a:r>
+              <a:rPr lang="en-US" dirty="0" err="1"/>
+              <a:t>latest_balance_seized</a:t>
+            </a:r>
+            <a:r>
+              <a:rPr lang="en-US" dirty="0"/>
+              <a:t> double </a:t>
+            </a:r>
+            <a:endParaRPr lang="en-US" dirty="0">
+              <a:cs typeface="Calibri" panose="020F0502020204030204"/>
+            </a:endParaRPr>
+          </a:p>
+          <a:p>
+            <a:pPr marL="285750" indent="-285750">
+              <a:buFont typeface="Arial"/>
+              <a:buChar char="•"/>
+            </a:pPr>
+            <a:r>
+              <a:rPr lang="en-US" dirty="0" err="1"/>
+              <a:t>is_coporate_account</a:t>
+            </a:r>
+            <a:r>
+              <a:rPr lang="en-US" dirty="0"/>
+              <a:t> </a:t>
+            </a:r>
+            <a:r>
+              <a:rPr lang="en-US" dirty="0" err="1"/>
+              <a:t>tinyint</a:t>
+            </a:r>
+            <a:r>
+              <a:rPr lang="en-US" dirty="0"/>
+              <a:t>(1) </a:t>
+            </a:r>
+            <a:endParaRPr lang="en-US" dirty="0">
+              <a:cs typeface="Calibri" panose="020F0502020204030204"/>
+            </a:endParaRPr>
+          </a:p>
+          <a:p>
+            <a:endParaRPr lang="en-US"/>
+          </a:p>
+        </p:txBody>
+      </p:sp>
+      <p:sp>
+        <p:nvSpPr>
+          <p:cNvPr id="7" name="TextBox 6">
+            <a:extLst>
+              <a:ext uri="{FF2B5EF4-FFF2-40B4-BE49-F238E27FC236}">
+                <a16:creationId xmlns:a16="http://schemas.microsoft.com/office/drawing/2014/main" id="{AD462ECD-77D8-E181-AF8F-137146BADD32}"/>
+              </a:ext>
+            </a:extLst>
+          </p:cNvPr>
+          <p:cNvSpPr txBox="1"/>
+          <p:nvPr/>
+        </p:nvSpPr>
+        <p:spPr>
+          <a:xfrm>
+            <a:off x="7890456" y="1257838"/>
+            <a:ext cx="4353059" cy="3416320"/>
+          </a:xfrm>
+          <a:prstGeom prst="rect">
+            <a:avLst/>
+          </a:prstGeom>
+          <a:noFill/>
+        </p:spPr>
+        <p:txBody>
+          <a:bodyPr rot="0" spcFirstLastPara="0" vertOverflow="overflow" horzOverflow="overflow" vert="horz" wrap="square" lIns="91440" tIns="45720" rIns="91440" bIns="45720" numCol="1" spcCol="0" rtlCol="0" fromWordArt="0" anchor="t" anchorCtr="0" forceAA="0" compatLnSpc="1">
+            <a:prstTxWarp prst="textNoShape">
+              <a:avLst/>
+            </a:prstTxWarp>
+            <a:spAutoFit/>
+          </a:bodyPr>
+          <a:lstStyle/>
+          <a:p>
+            <a:r>
+              <a:rPr lang="en-US" b="1" dirty="0"/>
+              <a:t>Telco</a:t>
+            </a:r>
+          </a:p>
+          <a:p>
+            <a:pPr marL="285750" indent="-285750">
+              <a:buFont typeface="Arial"/>
+              <a:buChar char="•"/>
+            </a:pPr>
+            <a:r>
+              <a:rPr lang="en-US" dirty="0" err="1"/>
+              <a:t>telco_report_number</a:t>
+            </a:r>
+            <a:r>
+              <a:rPr lang="en-US" dirty="0"/>
+              <a:t> char(15) </a:t>
+            </a:r>
+            <a:endParaRPr lang="en-US" dirty="0">
+              <a:cs typeface="Calibri" panose="020F0502020204030204"/>
+            </a:endParaRPr>
+          </a:p>
+          <a:p>
+            <a:pPr marL="285750" indent="-285750">
+              <a:buFont typeface="Arial"/>
+              <a:buChar char="•"/>
+            </a:pPr>
+            <a:r>
+              <a:rPr lang="en-US" dirty="0" err="1"/>
+              <a:t>overseas_local</a:t>
+            </a:r>
+            <a:r>
+              <a:rPr lang="en-US" dirty="0"/>
+              <a:t> char(3) </a:t>
+            </a:r>
+            <a:endParaRPr lang="en-US" dirty="0">
+              <a:cs typeface="Calibri" panose="020F0502020204030204"/>
+            </a:endParaRPr>
+          </a:p>
+          <a:p>
+            <a:endParaRPr lang="en-US"/>
+          </a:p>
+          <a:p>
+            <a:endParaRPr lang="en-US" dirty="0">
+              <a:cs typeface="Calibri"/>
+            </a:endParaRPr>
+          </a:p>
+          <a:p>
+            <a:endParaRPr lang="en-US" dirty="0">
+              <a:cs typeface="Calibri"/>
+            </a:endParaRPr>
+          </a:p>
+          <a:p>
+            <a:r>
+              <a:rPr lang="en-US" b="1" dirty="0"/>
+              <a:t>Actions</a:t>
+            </a:r>
+            <a:endParaRPr lang="en-US" b="1" dirty="0">
+              <a:cs typeface="Calibri"/>
+            </a:endParaRPr>
+          </a:p>
+          <a:p>
+            <a:pPr marL="285750" indent="-285750">
+              <a:buFont typeface="Arial"/>
+              <a:buChar char="•"/>
+            </a:pPr>
+            <a:r>
+              <a:rPr lang="en-US" dirty="0" err="1"/>
+              <a:t>datetime_production_order_served</a:t>
+            </a:r>
+            <a:r>
+              <a:rPr lang="en-US" dirty="0"/>
+              <a:t> datetime </a:t>
+            </a:r>
+            <a:endParaRPr lang="en-US" dirty="0">
+              <a:cs typeface="Calibri"/>
+            </a:endParaRPr>
+          </a:p>
+          <a:p>
+            <a:pPr marL="285750" indent="-285750">
+              <a:buFont typeface="Arial"/>
+              <a:buChar char="•"/>
+            </a:pPr>
+            <a:r>
+              <a:rPr lang="en-US" dirty="0" err="1"/>
+              <a:t>datetime_bank_account_frozen</a:t>
+            </a:r>
+            <a:r>
+              <a:rPr lang="en-US" dirty="0"/>
+              <a:t> datetime </a:t>
+            </a:r>
+            <a:endParaRPr lang="en-US" dirty="0">
+              <a:cs typeface="Calibri"/>
+            </a:endParaRPr>
+          </a:p>
+          <a:p>
+            <a:pPr marL="285750" indent="-285750">
+              <a:buFont typeface="Arial"/>
+              <a:buChar char="•"/>
+            </a:pPr>
+            <a:r>
+              <a:rPr lang="en-US" dirty="0" err="1"/>
+              <a:t>date_bank_details_received</a:t>
+            </a:r>
+            <a:r>
+              <a:rPr lang="en-US" dirty="0"/>
+              <a:t> date</a:t>
+            </a:r>
+            <a:endParaRPr lang="en-US" dirty="0">
+              <a:cs typeface="Calibri"/>
+            </a:endParaRPr>
           </a:p>
         </p:txBody>
       </p:sp>
     </p:spTree>
     <p:extLst>
       <p:ext uri="{BB962C8B-B14F-4D97-AF65-F5344CB8AC3E}">
-        <p14:creationId xmlns:p14="http://schemas.microsoft.com/office/powerpoint/2010/main" val="912244415"/>
+        <p14:creationId xmlns:p14="http://schemas.microsoft.com/office/powerpoint/2010/main" val="2425572371"/>
       </p:ext>
     </p:extLst>
   </p:cSld>
@@ -4081,7 +4847,7 @@
 </file>
 
 <file path=ppt/slides/slide6.xml><?xml version="1.0" encoding="utf-8"?>
-<p:sld xmlns:a="http://schemas.openxmlformats.org/drawingml/2006/main" xmlns:r="http://schemas.openxmlformats.org/officeDocument/2006/relationships" xmlns:p="http://schemas.openxmlformats.org/presentationml/2006/main" show="0">
+<p:sld xmlns:a="http://schemas.openxmlformats.org/drawingml/2006/main" xmlns:r="http://schemas.openxmlformats.org/officeDocument/2006/relationships" xmlns:p="http://schemas.openxmlformats.org/presentationml/2006/main">
   <p:cSld>
     <p:spTree>
       <p:nvGrpSpPr>
@@ -4097,40 +4863,175 @@
           <a:chExt cx="0" cy="0"/>
         </a:xfrm>
       </p:grpSpPr>
-      <p:pic>
-        <p:nvPicPr>
-          <p:cNvPr id="5" name="Picture 4">
-            <a:extLst>
-              <a:ext uri="{FF2B5EF4-FFF2-40B4-BE49-F238E27FC236}">
-                <a16:creationId xmlns:a16="http://schemas.microsoft.com/office/drawing/2014/main" id="{9B2B2342-CD96-3FFD-CB4F-774D39DC0D3A}"/>
-              </a:ext>
-            </a:extLst>
-          </p:cNvPr>
-          <p:cNvPicPr>
-            <a:picLocks noChangeAspect="1"/>
-          </p:cNvPicPr>
-          <p:nvPr/>
-        </p:nvPicPr>
-        <p:blipFill>
-          <a:blip r:embed="rId2"/>
-          <a:stretch>
-            <a:fillRect/>
-          </a:stretch>
-        </p:blipFill>
-        <p:spPr>
-          <a:xfrm>
-            <a:off x="490710" y="0"/>
-            <a:ext cx="11210580" cy="6858000"/>
-          </a:xfrm>
-          <a:prstGeom prst="rect">
-            <a:avLst/>
-          </a:prstGeom>
-        </p:spPr>
-      </p:pic>
+      <p:sp>
+        <p:nvSpPr>
+          <p:cNvPr id="2" name="Title 1">
+            <a:extLst>
+              <a:ext uri="{FF2B5EF4-FFF2-40B4-BE49-F238E27FC236}">
+                <a16:creationId xmlns:a16="http://schemas.microsoft.com/office/drawing/2014/main" id="{38E04D26-D8A8-8EDC-BD81-4389594AB356}"/>
+              </a:ext>
+            </a:extLst>
+          </p:cNvPr>
+          <p:cNvSpPr>
+            <a:spLocks noGrp="1"/>
+          </p:cNvSpPr>
+          <p:nvPr>
+            <p:ph type="title"/>
+          </p:nvPr>
+        </p:nvSpPr>
+        <p:spPr/>
+        <p:txBody>
+          <a:bodyPr/>
+          <a:lstStyle/>
+          <a:p>
+            <a:r>
+              <a:rPr lang="en-US" dirty="0">
+                <a:cs typeface="Calibri Light"/>
+              </a:rPr>
+              <a:t>To do</a:t>
+            </a:r>
+            <a:endParaRPr lang="en-US" dirty="0"/>
+          </a:p>
+        </p:txBody>
+      </p:sp>
+      <p:sp>
+        <p:nvSpPr>
+          <p:cNvPr id="3" name="Content Placeholder 2">
+            <a:extLst>
+              <a:ext uri="{FF2B5EF4-FFF2-40B4-BE49-F238E27FC236}">
+                <a16:creationId xmlns:a16="http://schemas.microsoft.com/office/drawing/2014/main" id="{92244F59-E4DE-2828-DFDD-99A4E3BAD320}"/>
+              </a:ext>
+            </a:extLst>
+          </p:cNvPr>
+          <p:cNvSpPr>
+            <a:spLocks noGrp="1"/>
+          </p:cNvSpPr>
+          <p:nvPr>
+            <p:ph idx="1"/>
+          </p:nvPr>
+        </p:nvSpPr>
+        <p:spPr/>
+        <p:txBody>
+          <a:bodyPr vert="horz" lIns="91440" tIns="45720" rIns="91440" bIns="45720" rtlCol="0" anchor="t">
+            <a:noAutofit/>
+          </a:bodyPr>
+          <a:lstStyle/>
+          <a:p>
+            <a:r>
+              <a:rPr lang="en-US" sz="2000" dirty="0">
+                <a:cs typeface="Calibri"/>
+              </a:rPr>
+              <a:t>Input form, data type restricted, with data directly entering </a:t>
+            </a:r>
+            <a:r>
+              <a:rPr lang="en-US" sz="2000" err="1">
+                <a:cs typeface="Calibri"/>
+              </a:rPr>
+              <a:t>mysql</a:t>
+            </a:r>
+            <a:r>
+              <a:rPr lang="en-US" sz="2000" dirty="0">
+                <a:cs typeface="Calibri"/>
+              </a:rPr>
+              <a:t>. To test on local database so that we don't write into their db.</a:t>
+            </a:r>
+          </a:p>
+          <a:p>
+            <a:r>
+              <a:rPr lang="en-US" sz="2000" dirty="0">
+                <a:ea typeface="+mn-lt"/>
+                <a:cs typeface="+mn-lt"/>
+              </a:rPr>
+              <a:t>Filtering based on scam type</a:t>
+            </a:r>
+          </a:p>
+          <a:p>
+            <a:r>
+              <a:rPr lang="en-US" sz="2000" dirty="0">
+                <a:cs typeface="Calibri"/>
+              </a:rPr>
+              <a:t>Start/end date filtering, on </a:t>
+            </a:r>
+            <a:r>
+              <a:rPr lang="en-US" sz="2000" dirty="0" err="1">
+                <a:cs typeface="Calibri"/>
+              </a:rPr>
+              <a:t>mysql</a:t>
+            </a:r>
+            <a:r>
+              <a:rPr lang="en-US" sz="2000" dirty="0">
+                <a:cs typeface="Calibri"/>
+              </a:rPr>
+              <a:t> level (before it hits pandas level, so that the runtime is faster I think). Standard set to 1 month away from today's date</a:t>
+            </a:r>
+          </a:p>
+          <a:p>
+            <a:r>
+              <a:rPr lang="en-US" sz="2000" dirty="0">
+                <a:cs typeface="Calibri"/>
+              </a:rPr>
+              <a:t>Filtering of data from identifiers of primary/secondary keys (</a:t>
+            </a:r>
+            <a:r>
+              <a:rPr lang="en-US" sz="2000" dirty="0">
+                <a:ea typeface="+mn-lt"/>
+                <a:cs typeface="+mn-lt"/>
+                <a:hlinkClick r:id="rId2"/>
+              </a:rPr>
+              <a:t>https://programmerbay.com/difference-between-primary-key-and-secondary-key/</a:t>
+            </a:r>
+            <a:r>
+              <a:rPr lang="en-US" sz="2000" dirty="0">
+                <a:ea typeface="+mn-lt"/>
+                <a:cs typeface="+mn-lt"/>
+              </a:rPr>
+              <a:t>),</a:t>
+            </a:r>
+            <a:r>
+              <a:rPr lang="en-US" sz="2000" dirty="0">
+                <a:cs typeface="Calibri"/>
+              </a:rPr>
+              <a:t> such as </a:t>
+            </a:r>
+            <a:r>
+              <a:rPr lang="en-US" sz="2000" err="1">
+                <a:cs typeface="Calibri"/>
+              </a:rPr>
+              <a:t>nric</a:t>
+            </a:r>
+            <a:r>
+              <a:rPr lang="en-US" sz="2000" dirty="0">
+                <a:cs typeface="Calibri"/>
+              </a:rPr>
+              <a:t>/bank account number. Can be a search bar to do the filter. To extend on this, a clickable display of these identifiers based on some filtering (</a:t>
+            </a:r>
+            <a:r>
+              <a:rPr lang="en-US" sz="2000" err="1">
+                <a:cs typeface="Calibri"/>
+              </a:rPr>
+              <a:t>eg.</a:t>
+            </a:r>
+            <a:r>
+              <a:rPr lang="en-US" sz="2000" dirty="0">
+                <a:cs typeface="Calibri"/>
+              </a:rPr>
+              <a:t> Amount lost)</a:t>
+            </a:r>
+          </a:p>
+          <a:p>
+            <a:r>
+              <a:rPr lang="en-US" sz="2000" dirty="0">
+                <a:cs typeface="Calibri"/>
+              </a:rPr>
+              <a:t>Logistic regression model to predict upward/downward trend for the next day (see python's scikit-learn logistic regression)</a:t>
+            </a:r>
+          </a:p>
+        </p:txBody>
+      </p:sp>
     </p:spTree>
     <p:extLst>
       <p:ext uri="{BB962C8B-B14F-4D97-AF65-F5344CB8AC3E}">
-        <p14:creationId xmlns:p14="http://schemas.microsoft.com/office/powerpoint/2010/main" val="1223906613"/>
+        <p14:creationId xmlns:p14="http://schemas.microsoft.com/office/powerpoint/2010/main" val="3054464286"/>
       </p:ext>
     </p:extLst>
   </p:cSld>
@@ -4162,7 +5063,7 @@
           <p:cNvPr id="2" name="Title 1">
             <a:extLst>
               <a:ext uri="{FF2B5EF4-FFF2-40B4-BE49-F238E27FC236}">
-                <a16:creationId xmlns:a16="http://schemas.microsoft.com/office/drawing/2014/main" id="{07706504-F838-105D-3557-62899A8180DA}"/>
+                <a16:creationId xmlns:a16="http://schemas.microsoft.com/office/drawing/2014/main" id="{5DA7AAE0-32B0-0E66-0495-DCD1A930CCE5}"/>
               </a:ext>
             </a:extLst>
           </p:cNvPr>
@@ -4178,7 +5079,11 @@
           <a:bodyPr/>
           <a:lstStyle/>
           <a:p>
-            <a:endParaRPr lang="en-SG"/>
+            <a:r>
+              <a:rPr lang="en-SG" dirty="0" err="1"/>
+              <a:t>Phishpulse</a:t>
+            </a:r>
+            <a:endParaRPr lang="en-SG" dirty="0"/>
           </a:p>
         </p:txBody>
       </p:sp>
@@ -4187,7 +5092,87 @@
           <p:cNvPr id="3" name="Content Placeholder 2">
             <a:extLst>
               <a:ext uri="{FF2B5EF4-FFF2-40B4-BE49-F238E27FC236}">
-                <a16:creationId xmlns:a16="http://schemas.microsoft.com/office/drawing/2014/main" id="{19AF29E2-6478-BBDD-3ADA-F5067C9745BA}"/>
+                <a16:creationId xmlns:a16="http://schemas.microsoft.com/office/drawing/2014/main" id="{C5425F23-35D2-F336-C2AF-86767A82C95F}"/>
+              </a:ext>
+            </a:extLst>
+          </p:cNvPr>
+          <p:cNvSpPr>
+            <a:spLocks noGrp="1"/>
+          </p:cNvSpPr>
+          <p:nvPr>
+            <p:ph idx="1"/>
+          </p:nvPr>
+        </p:nvSpPr>
+        <p:spPr/>
+        <p:txBody>
+          <a:bodyPr/>
+          <a:lstStyle/>
+          <a:p>
+            <a:endParaRPr lang="en-SG"/>
+          </a:p>
+        </p:txBody>
+      </p:sp>
+    </p:spTree>
+    <p:extLst>
+      <p:ext uri="{BB962C8B-B14F-4D97-AF65-F5344CB8AC3E}">
+        <p14:creationId xmlns:p14="http://schemas.microsoft.com/office/powerpoint/2010/main" val="3751030780"/>
+      </p:ext>
+    </p:extLst>
+  </p:cSld>
+  <p:clrMapOvr>
+    <a:masterClrMapping/>
+  </p:clrMapOvr>
+</p:sld>
+</file>
+
+<file path=ppt/slides/slide8.xml><?xml version="1.0" encoding="utf-8"?>
+<p:sld xmlns:a="http://schemas.openxmlformats.org/drawingml/2006/main" xmlns:r="http://schemas.openxmlformats.org/officeDocument/2006/relationships" xmlns:p="http://schemas.openxmlformats.org/presentationml/2006/main" show="0">
+  <p:cSld>
+    <p:spTree>
+      <p:nvGrpSpPr>
+        <p:cNvPr id="1" name=""/>
+        <p:cNvGrpSpPr/>
+        <p:nvPr/>
+      </p:nvGrpSpPr>
+      <p:grpSpPr>
+        <a:xfrm>
+          <a:off x="0" y="0"/>
+          <a:ext cx="0" cy="0"/>
+          <a:chOff x="0" y="0"/>
+          <a:chExt cx="0" cy="0"/>
+        </a:xfrm>
+      </p:grpSpPr>
+      <p:sp>
+        <p:nvSpPr>
+          <p:cNvPr id="2" name="Title 1">
+            <a:extLst>
+              <a:ext uri="{FF2B5EF4-FFF2-40B4-BE49-F238E27FC236}">
+                <a16:creationId xmlns:a16="http://schemas.microsoft.com/office/drawing/2014/main" id="{E68F7B29-B56C-3462-0868-D858DB4E9B7C}"/>
+              </a:ext>
+            </a:extLst>
+          </p:cNvPr>
+          <p:cNvSpPr>
+            <a:spLocks noGrp="1"/>
+          </p:cNvSpPr>
+          <p:nvPr>
+            <p:ph type="title"/>
+          </p:nvPr>
+        </p:nvSpPr>
+        <p:spPr/>
+        <p:txBody>
+          <a:bodyPr/>
+          <a:lstStyle/>
+          <a:p>
+            <a:endParaRPr lang="en-SG"/>
+          </a:p>
+        </p:txBody>
+      </p:sp>
+      <p:sp>
+        <p:nvSpPr>
+          <p:cNvPr id="3" name="Content Placeholder 2">
+            <a:extLst>
+              <a:ext uri="{FF2B5EF4-FFF2-40B4-BE49-F238E27FC236}">
+                <a16:creationId xmlns:a16="http://schemas.microsoft.com/office/drawing/2014/main" id="{D6527C16-1FF1-8A2D-4BCF-22FDFCF57F16}"/>
               </a:ext>
             </a:extLst>
           </p:cNvPr>
@@ -4212,7 +5197,7 @@
           <p:cNvPr id="5" name="Picture 4">
             <a:extLst>
               <a:ext uri="{FF2B5EF4-FFF2-40B4-BE49-F238E27FC236}">
-                <a16:creationId xmlns:a16="http://schemas.microsoft.com/office/drawing/2014/main" id="{63153043-2D11-98C7-30D2-148BD43E08B9}"/>
+                <a16:creationId xmlns:a16="http://schemas.microsoft.com/office/drawing/2014/main" id="{9710ED54-E410-194D-42E2-8745C4AD64BB}"/>
               </a:ext>
             </a:extLst>
           </p:cNvPr>
@@ -4229,8 +5214,8 @@
         </p:blipFill>
         <p:spPr>
           <a:xfrm>
-            <a:off x="730250" y="0"/>
-            <a:ext cx="10731500" cy="6858000"/>
+            <a:off x="473523" y="0"/>
+            <a:ext cx="11244954" cy="6858000"/>
           </a:xfrm>
           <a:prstGeom prst="rect">
             <a:avLst/>
@@ -4239,10 +5224,10 @@
       </p:pic>
       <p:sp>
         <p:nvSpPr>
-          <p:cNvPr id="7" name="TextBox 6">
-            <a:extLst>
-              <a:ext uri="{FF2B5EF4-FFF2-40B4-BE49-F238E27FC236}">
-                <a16:creationId xmlns:a16="http://schemas.microsoft.com/office/drawing/2014/main" id="{4DC9B5CC-D4E1-808C-6FA1-EBCA11211D6B}"/>
+          <p:cNvPr id="6" name="TextBox 5">
+            <a:extLst>
+              <a:ext uri="{FF2B5EF4-FFF2-40B4-BE49-F238E27FC236}">
+                <a16:creationId xmlns:a16="http://schemas.microsoft.com/office/drawing/2014/main" id="{66ADE547-E2BA-4DFA-334A-AA75543B91DA}"/>
               </a:ext>
             </a:extLst>
           </p:cNvPr>
@@ -4251,36 +5236,135 @@
         </p:nvSpPr>
         <p:spPr>
           <a:xfrm>
-            <a:off x="4849585" y="365125"/>
-            <a:ext cx="4900905" cy="430887"/>
+            <a:off x="305572" y="2196426"/>
+            <a:ext cx="2904159" cy="4247317"/>
           </a:xfrm>
           <a:prstGeom prst="rect">
             <a:avLst/>
           </a:prstGeom>
-          <a:solidFill>
-            <a:schemeClr val="accent4">
-              <a:lumMod val="20000"/>
-              <a:lumOff val="80000"/>
-            </a:schemeClr>
-          </a:solidFill>
+          <a:noFill/>
         </p:spPr>
         <p:txBody>
-          <a:bodyPr wrap="square">
+          <a:bodyPr wrap="square" rtlCol="0">
             <a:spAutoFit/>
           </a:bodyPr>
           <a:lstStyle/>
           <a:p>
             <a:r>
-              <a:rPr lang="en-SG" sz="1100" dirty="0"/>
-              <a:t>https://api-safeguard.beta.gov.sg/screenshot?api_key=ec16e2d0-1938-49d0-bb0f-a480bc2e8ceb&amp;url_md5=4e332d51fa0c8b94a6b7a9160e10283f</a:t>
-            </a:r>
+              <a:rPr lang="en-US" dirty="0"/>
+              <a:t>Past 30 days record.</a:t>
+            </a:r>
+          </a:p>
+          <a:p>
+            <a:endParaRPr lang="en-US" dirty="0"/>
+          </a:p>
+          <a:p>
+            <a:r>
+              <a:rPr lang="en-US" dirty="0"/>
+              <a:t>Total number of websites</a:t>
+            </a:r>
+          </a:p>
+          <a:p>
+            <a:endParaRPr lang="en-US" dirty="0"/>
+          </a:p>
+          <a:p>
+            <a:r>
+              <a:rPr lang="en-US" dirty="0"/>
+              <a:t>All stored in </a:t>
+            </a:r>
+            <a:r>
+              <a:rPr lang="en-US" dirty="0" err="1"/>
+              <a:t>mysql</a:t>
+            </a:r>
+            <a:endParaRPr lang="en-US" dirty="0"/>
+          </a:p>
+          <a:p>
+            <a:endParaRPr lang="en-US" dirty="0"/>
+          </a:p>
+          <a:p>
+            <a:r>
+              <a:rPr lang="en-US" dirty="0"/>
+              <a:t>Rate = past certain threshold (e.g. how many days out of 30 days past threshold of 8, e.g. cumulative of past 30 days)</a:t>
+            </a:r>
+          </a:p>
+          <a:p>
+            <a:endParaRPr lang="en-US" dirty="0"/>
+          </a:p>
+          <a:p>
+            <a:r>
+              <a:rPr lang="en-US" dirty="0"/>
+              <a:t>Trend: pass values into linear regression model</a:t>
+            </a:r>
+          </a:p>
+          <a:p>
+            <a:endParaRPr lang="en-US" dirty="0"/>
           </a:p>
         </p:txBody>
       </p:sp>
     </p:spTree>
     <p:extLst>
       <p:ext uri="{BB962C8B-B14F-4D97-AF65-F5344CB8AC3E}">
-        <p14:creationId xmlns:p14="http://schemas.microsoft.com/office/powerpoint/2010/main" val="63893492"/>
+        <p14:creationId xmlns:p14="http://schemas.microsoft.com/office/powerpoint/2010/main" val="912244415"/>
+      </p:ext>
+    </p:extLst>
+  </p:cSld>
+  <p:clrMapOvr>
+    <a:masterClrMapping/>
+  </p:clrMapOvr>
+</p:sld>
+</file>
+
+<file path=ppt/slides/slide9.xml><?xml version="1.0" encoding="utf-8"?>
+<p:sld xmlns:a="http://schemas.openxmlformats.org/drawingml/2006/main" xmlns:r="http://schemas.openxmlformats.org/officeDocument/2006/relationships" xmlns:p="http://schemas.openxmlformats.org/presentationml/2006/main" show="0">
+  <p:cSld>
+    <p:spTree>
+      <p:nvGrpSpPr>
+        <p:cNvPr id="1" name=""/>
+        <p:cNvGrpSpPr/>
+        <p:nvPr/>
+      </p:nvGrpSpPr>
+      <p:grpSpPr>
+        <a:xfrm>
+          <a:off x="0" y="0"/>
+          <a:ext cx="0" cy="0"/>
+          <a:chOff x="0" y="0"/>
+          <a:chExt cx="0" cy="0"/>
+        </a:xfrm>
+      </p:grpSpPr>
+      <p:pic>
+        <p:nvPicPr>
+          <p:cNvPr id="5" name="Picture 4">
+            <a:extLst>
+              <a:ext uri="{FF2B5EF4-FFF2-40B4-BE49-F238E27FC236}">
+                <a16:creationId xmlns:a16="http://schemas.microsoft.com/office/drawing/2014/main" id="{9B2B2342-CD96-3FFD-CB4F-774D39DC0D3A}"/>
+              </a:ext>
+            </a:extLst>
+          </p:cNvPr>
+          <p:cNvPicPr>
+            <a:picLocks noChangeAspect="1"/>
+          </p:cNvPicPr>
+          <p:nvPr/>
+        </p:nvPicPr>
+        <p:blipFill>
+          <a:blip r:embed="rId2"/>
+          <a:stretch>
+            <a:fillRect/>
+          </a:stretch>
+        </p:blipFill>
+        <p:spPr>
+          <a:xfrm>
+            <a:off x="490710" y="0"/>
+            <a:ext cx="11210580" cy="6858000"/>
+          </a:xfrm>
+          <a:prstGeom prst="rect">
+            <a:avLst/>
+          </a:prstGeom>
+        </p:spPr>
+      </p:pic>
+    </p:spTree>
+    <p:extLst>
+      <p:ext uri="{BB962C8B-B14F-4D97-AF65-F5344CB8AC3E}">
+        <p14:creationId xmlns:p14="http://schemas.microsoft.com/office/powerpoint/2010/main" val="1223906613"/>
       </p:ext>
     </p:extLst>
   </p:cSld>
